--- a/Chapter3 CSS.pptx
+++ b/Chapter3 CSS.pptx
@@ -521,6 +521,11 @@
         </p:txBody>
       </p:sp>
     </p:spTree>
+    <p:extLst>
+      <p:ext uri="{BB962C8B-B14F-4D97-AF65-F5344CB8AC3E}">
+        <p14:creationId xmlns:p14="http://schemas.microsoft.com/office/powerpoint/2010/main" val="2606595290"/>
+      </p:ext>
+    </p:extLst>
   </p:cSld>
   <p:clrMap bg1="lt1" tx1="dk1" bg2="lt2" tx2="dk2" accent1="accent1" accent2="accent2" accent3="accent3" accent4="accent4" accent5="accent5" accent6="accent6" hlink="hlink" folHlink="folHlink"/>
   <p:notesStyle>
@@ -22672,7 +22677,35 @@
             </a:r>
             <a:r>
               <a:rPr lang="zh-CN" altLang="en-US" dirty="0" smtClean="0"/>
-              <a:t>在标准模式中使用正确的框模型，在怪异模式中使用老式的专有框模型</a:t>
+              <a:t>在标准模式中使用</a:t>
+            </a:r>
+            <a:r>
+              <a:rPr lang="zh-CN" altLang="en-US" smtClean="0"/>
+              <a:t>正确</a:t>
+            </a:r>
+            <a:r>
+              <a:rPr lang="zh-CN" altLang="en-US" smtClean="0"/>
+              <a:t>的</a:t>
+            </a:r>
+            <a:r>
+              <a:rPr lang="zh-CN" altLang="en-US"/>
+              <a:t>盒</a:t>
+            </a:r>
+            <a:r>
+              <a:rPr lang="zh-CN" altLang="en-US" smtClean="0"/>
+              <a:t>模型</a:t>
+            </a:r>
+            <a:r>
+              <a:rPr lang="zh-CN" altLang="en-US" dirty="0" smtClean="0"/>
+              <a:t>，在怪异模式中使用老式</a:t>
+            </a:r>
+            <a:r>
+              <a:rPr lang="zh-CN" altLang="en-US" smtClean="0"/>
+              <a:t>的</a:t>
+            </a:r>
+            <a:r>
+              <a:rPr lang="zh-CN" altLang="en-US" smtClean="0"/>
+              <a:t>专有盒模型</a:t>
             </a:r>
             <a:r>
               <a:rPr lang="en-US" altLang="zh-CN" dirty="0" smtClean="0"/>

--- a/Chapter3 CSS.pptx
+++ b/Chapter3 CSS.pptx
@@ -9626,7 +9626,7 @@
 </file>
 
 <file path=ppt/slides/slide11.xml><?xml version="1.0" encoding="utf-8"?>
-<p:sld xmlns:a="http://schemas.openxmlformats.org/drawingml/2006/main" xmlns:r="http://schemas.openxmlformats.org/officeDocument/2006/relationships" xmlns:p="http://schemas.openxmlformats.org/presentationml/2006/main">
+<p:sld xmlns:a="http://schemas.openxmlformats.org/drawingml/2006/main" xmlns:r="http://schemas.openxmlformats.org/officeDocument/2006/relationships" xmlns:p="http://schemas.openxmlformats.org/presentationml/2006/main" show="0">
   <p:cSld>
     <p:spTree>
       <p:nvGrpSpPr>
@@ -9664,7 +9664,19 @@
           <a:p>
             <a:r>
               <a:rPr lang="zh-CN" altLang="en-US" dirty="0" smtClean="0"/>
-              <a:t>山经网站的</a:t>
+              <a:t>山</a:t>
+            </a:r>
+            <a:r>
+              <a:rPr lang="zh-CN" altLang="en-US" dirty="0"/>
+              <a:t>财大</a:t>
+            </a:r>
+            <a:r>
+              <a:rPr lang="zh-CN" altLang="en-US" dirty="0" smtClean="0"/>
+              <a:t>网站</a:t>
+            </a:r>
+            <a:r>
+              <a:rPr lang="zh-CN" altLang="en-US" dirty="0" smtClean="0"/>
+              <a:t>的</a:t>
             </a:r>
             <a:r>
               <a:rPr lang="en-US" altLang="zh-CN" dirty="0" smtClean="0"/>
@@ -9787,6 +9799,14 @@
   <p:clrMapOvr>
     <a:masterClrMapping/>
   </p:clrMapOvr>
+  <mc:AlternateContent xmlns:mc="http://schemas.openxmlformats.org/markup-compatibility/2006">
+    <mc:Choice xmlns:p14="http://schemas.microsoft.com/office/powerpoint/2010/main" Requires="p14">
+      <p:transition spd="slow" p14:dur="2000"/>
+    </mc:Choice>
+    <mc:Fallback>
+      <p:transition spd="slow"/>
+    </mc:Fallback>
+  </mc:AlternateContent>
   <p:timing>
     <p:tnLst>
       <p:par>
@@ -12056,11 +12076,11 @@
               <a:t>	</a:t>
             </a:r>
             <a:r>
-              <a:rPr lang="zh-CN" altLang="en-US" sz="2800" b="1" i="0" dirty="0" smtClean="0">
-                <a:latin typeface="Times New Roman" pitchFamily="18" charset="0"/>
-                <a:cs typeface="Times New Roman" pitchFamily="18" charset="0"/>
-              </a:rPr>
-              <a:t>这一行被增加了左右的外补丁</a:t>
+              <a:rPr lang="en-US" altLang="zh-CN" sz="2800" b="1" i="0" smtClean="0">
+                <a:latin typeface="Times New Roman" pitchFamily="18" charset="0"/>
+                <a:cs typeface="Times New Roman" pitchFamily="18" charset="0"/>
+              </a:rPr>
+              <a:t>Hello World</a:t>
             </a:r>
             <a:endParaRPr lang="en-US" altLang="zh-CN" sz="2800" b="1" i="0" dirty="0" smtClean="0">
               <a:latin typeface="Times New Roman" pitchFamily="18" charset="0"/>
@@ -22677,34 +22697,26 @@
             </a:r>
             <a:r>
               <a:rPr lang="zh-CN" altLang="en-US" dirty="0" smtClean="0"/>
-              <a:t>在标准模式中使用</a:t>
-            </a:r>
-            <a:r>
-              <a:rPr lang="zh-CN" altLang="en-US" smtClean="0"/>
-              <a:t>正确</a:t>
-            </a:r>
-            <a:r>
-              <a:rPr lang="zh-CN" altLang="en-US" smtClean="0"/>
+              <a:t>在标准模式中使用正确</a:t>
+            </a:r>
+            <a:r>
+              <a:rPr lang="zh-CN" altLang="en-US" dirty="0" smtClean="0"/>
               <a:t>的</a:t>
             </a:r>
             <a:r>
-              <a:rPr lang="zh-CN" altLang="en-US"/>
+              <a:rPr lang="zh-CN" altLang="en-US" dirty="0"/>
               <a:t>盒</a:t>
             </a:r>
             <a:r>
-              <a:rPr lang="zh-CN" altLang="en-US" smtClean="0"/>
+              <a:rPr lang="zh-CN" altLang="en-US" dirty="0" smtClean="0"/>
               <a:t>模型</a:t>
             </a:r>
             <a:r>
               <a:rPr lang="zh-CN" altLang="en-US" dirty="0" smtClean="0"/>
-              <a:t>，在怪异模式中使用老式</a:t>
-            </a:r>
-            <a:r>
-              <a:rPr lang="zh-CN" altLang="en-US" smtClean="0"/>
-              <a:t>的</a:t>
-            </a:r>
-            <a:r>
-              <a:rPr lang="zh-CN" altLang="en-US" smtClean="0"/>
+              <a:t>，在怪异模式中使用老式的</a:t>
+            </a:r>
+            <a:r>
+              <a:rPr lang="zh-CN" altLang="en-US" dirty="0" smtClean="0"/>
               <a:t>专有盒模型</a:t>
             </a:r>
             <a:r>

--- a/Chapter3 CSS.pptx
+++ b/Chapter3 CSS.pptx
@@ -12076,7 +12076,7 @@
               <a:t>	</a:t>
             </a:r>
             <a:r>
-              <a:rPr lang="en-US" altLang="zh-CN" sz="2800" b="1" i="0" smtClean="0">
+              <a:rPr lang="en-US" altLang="zh-CN" sz="2800" b="1" i="0" dirty="0" smtClean="0">
                 <a:latin typeface="Times New Roman" pitchFamily="18" charset="0"/>
                 <a:cs typeface="Times New Roman" pitchFamily="18" charset="0"/>
               </a:rPr>
@@ -15940,7 +15940,7 @@
         </p:nvSpPr>
         <p:spPr>
           <a:xfrm>
-            <a:off x="6012160" y="5085184"/>
+            <a:off x="5868144" y="5066342"/>
             <a:ext cx="2520280" cy="369332"/>
           </a:xfrm>
           <a:prstGeom prst="rect">
@@ -15955,8 +15955,16 @@
           <a:lstStyle/>
           <a:p>
             <a:r>
-              <a:rPr lang="en-US" altLang="zh-CN" smtClean="0"/>
-              <a:t>ahover.html</a:t>
+              <a:rPr lang="en-US" altLang="zh-CN" dirty="0" err="1"/>
+              <a:t>css</a:t>
+            </a:r>
+            <a:r>
+              <a:rPr lang="zh-CN" altLang="en-US" dirty="0"/>
+              <a:t>选择器派生</a:t>
+            </a:r>
+            <a:r>
+              <a:rPr lang="en-US" altLang="zh-CN" dirty="0"/>
+              <a:t>.html</a:t>
             </a:r>
             <a:endParaRPr lang="zh-CN" altLang="en-US" dirty="0"/>
           </a:p>
